--- a/Niklas Heiber DL2.pptx
+++ b/Niklas Heiber DL2.pptx
@@ -343,7 +343,7 @@
       </p15:notesGuideLst>
     </p:ext>
     <p:ext uri="http://customooxmlschemas.google.com/">
-      <go:slidesCustomData xmlns:go="http://customooxmlschemas.google.com/" r:id="rId20" roundtripDataSignature="AMtx7miVgjBB39qD16DNOnTP0ClgIwvs4A=="/>
+      <go:slidesCustomData xmlns:go="http://customooxmlschemas.google.com/" r:id="rId20" roundtripDataSignature="AMtx7miFR9yecDILUXAKVkWhm3xGnFrzpQ=="/>
     </p:ext>
   </p:extLst>
 </p:presentation>
@@ -13634,24 +13634,16 @@
           </a:p>
         </p:txBody>
       </p:sp>
-      <p:pic>
-        <p:nvPicPr>
+      <p:sp>
+        <p:nvSpPr>
           <p:cNvPr id="185" name="Google Shape;185;ge3f3312746_0_71"/>
-          <p:cNvPicPr preferRelativeResize="0"/>
+          <p:cNvSpPr txBox="1"/>
           <p:nvPr/>
-        </p:nvPicPr>
-        <p:blipFill>
-          <a:blip r:embed="rId3">
-            <a:alphaModFix/>
-          </a:blip>
-          <a:stretch>
-            <a:fillRect/>
-          </a:stretch>
-        </p:blipFill>
+        </p:nvSpPr>
         <p:spPr>
           <a:xfrm>
-            <a:off x="1021438" y="1207196"/>
-            <a:ext cx="6468324" cy="4851243"/>
+            <a:off x="413550" y="3275112"/>
+            <a:ext cx="8316900" cy="492600"/>
           </a:xfrm>
           <a:prstGeom prst="rect">
             <a:avLst/>
@@ -13661,7 +13653,48 @@
             <a:noFill/>
           </a:ln>
         </p:spPr>
-      </p:pic>
+        <p:txBody>
+          <a:bodyPr anchorCtr="0" anchor="t" bIns="0" lIns="0" spcFirstLastPara="1" rIns="0" wrap="square" tIns="0">
+            <a:spAutoFit/>
+          </a:bodyPr>
+          <a:lstStyle/>
+          <a:p>
+            <a:pPr indent="0" lvl="0" marL="457200" marR="0" rtl="0" algn="ctr">
+              <a:lnSpc>
+                <a:spcPct val="100000"/>
+              </a:lnSpc>
+              <a:spcBef>
+                <a:spcPts val="0"/>
+              </a:spcBef>
+              <a:spcAft>
+                <a:spcPts val="0"/>
+              </a:spcAft>
+              <a:buNone/>
+            </a:pPr>
+            <a:r>
+              <a:rPr lang="de-DE" sz="3200">
+                <a:solidFill>
+                  <a:schemeClr val="lt2"/>
+                </a:solidFill>
+              </a:rPr>
+              <a:t>Vielen Dank für ihre </a:t>
+            </a:r>
+            <a:r>
+              <a:rPr lang="de-DE" sz="3200">
+                <a:solidFill>
+                  <a:schemeClr val="lt2"/>
+                </a:solidFill>
+              </a:rPr>
+              <a:t>Aufmerksamkeit</a:t>
+            </a:r>
+            <a:endParaRPr sz="3200">
+              <a:solidFill>
+                <a:schemeClr val="lt2"/>
+              </a:solidFill>
+            </a:endParaRPr>
+          </a:p>
+        </p:txBody>
+      </p:sp>
     </p:spTree>
   </p:cSld>
   <p:clrMapOvr>
@@ -14763,7 +14796,7 @@
             <a:tbl>
               <a:tblPr>
                 <a:noFill/>
-                <a:tableStyleId>{3A95ECC7-248B-434F-B727-961930920D6D}</a:tableStyleId>
+                <a:tableStyleId>{8B4038A0-6F31-4C31-B3D5-187AF1DBC884}</a:tableStyleId>
               </a:tblPr>
               <a:tblGrid>
                 <a:gridCol w="790675"/>
@@ -14856,7 +14889,7 @@
                       </a:pPr>
                       <a:r>
                         <a:rPr lang="de-DE"/>
-                        <a:t>Das Program muss Objecte, Tiere, Pflanze und Menschen erkennen können</a:t>
+                        <a:t>Das Program muss Objekte, Tiere, Pflanze und Menschen erkennen können</a:t>
                       </a:r>
                       <a:endParaRPr/>
                     </a:p>
@@ -17411,7 +17444,7 @@
                   <a:schemeClr val="lt2"/>
                 </a:solidFill>
               </a:rPr>
-              <a:t>Trainieren dauert 0.28 GPU Tage</a:t>
+              <a:t>Trainieren dauert 0.25 GPU Tage</a:t>
             </a:r>
             <a:endParaRPr sz="2000">
               <a:solidFill>
